--- a/MiniProjetos/02/apresentação.pptx
+++ b/MiniProjetos/02/apresentação.pptx
@@ -107,6 +107,11 @@
       </a:defRPr>
     </a:lvl9pPr>
   </p:defaultTextStyle>
+  <p:extLst>
+    <p:ext uri="{EFAFB233-063F-42B5-8137-9DF3F51BA10A}">
+      <p15:sldGuideLst xmlns:p15="http://schemas.microsoft.com/office/powerpoint/2012/main"/>
+    </p:ext>
+  </p:extLst>
 </p:presentation>
 </file>
 
@@ -3089,66 +3094,9 @@
           <a:chExt cx="0" cy="0"/>
         </a:xfrm>
       </p:grpSpPr>
-      <p:sp>
-        <p:nvSpPr>
-          <p:cNvPr id="3" name="Content Placeholder 2"/>
-          <p:cNvSpPr>
-            <a:spLocks noGrp="1"/>
-          </p:cNvSpPr>
-          <p:nvPr>
-            <p:ph idx="1"/>
-          </p:nvPr>
-        </p:nvSpPr>
-        <p:spPr>
-          <a:xfrm>
-            <a:off x="838200" y="206857"/>
-            <a:ext cx="3316357" cy="6382786"/>
-          </a:xfrm>
-        </p:spPr>
-        <p:txBody>
-          <a:bodyPr>
-            <a:normAutofit/>
-          </a:bodyPr>
-          <a:lstStyle/>
-          <a:p>
-            <a:r>
-              <a:rPr lang="pt-BR" dirty="0" smtClean="0"/>
-              <a:t>Jogo antigo de quebra de blocos</a:t>
-            </a:r>
-          </a:p>
-          <a:p>
-            <a:endParaRPr lang="pt-BR" dirty="0" smtClean="0"/>
-          </a:p>
-          <a:p>
-            <a:r>
-              <a:rPr lang="pt-BR" dirty="0" smtClean="0"/>
-              <a:t>Movimento usando as setas</a:t>
-            </a:r>
-          </a:p>
-          <a:p>
-            <a:endParaRPr lang="pt-BR" dirty="0" smtClean="0"/>
-          </a:p>
-          <a:p>
-            <a:r>
-              <a:rPr lang="pt-BR" dirty="0" smtClean="0"/>
-              <a:t>Cada bloco destruído tem 50% de chance de criar outra bola</a:t>
-            </a:r>
-          </a:p>
-          <a:p>
-            <a:endParaRPr lang="pt-BR" dirty="0"/>
-          </a:p>
-          <a:p>
-            <a:r>
-              <a:rPr lang="pt-BR" dirty="0" smtClean="0"/>
-              <a:t>Fim de jogo quando se perde todas as bolas</a:t>
-            </a:r>
-            <a:endParaRPr lang="pt-BR" dirty="0"/>
-          </a:p>
-        </p:txBody>
-      </p:sp>
       <p:pic>
         <p:nvPicPr>
-          <p:cNvPr id="4" name="Picture 3"/>
+          <p:cNvPr id="5" name="Picture 4"/>
           <p:cNvPicPr>
             <a:picLocks noChangeAspect="1"/>
           </p:cNvPicPr>
@@ -3162,8 +3110,118 @@
         </p:blipFill>
         <p:spPr>
           <a:xfrm>
-            <a:off x="4267200" y="206857"/>
-            <a:ext cx="7772400" cy="6086475"/>
+            <a:off x="8218829" y="0"/>
+            <a:ext cx="3973172" cy="3123870"/>
+          </a:xfrm>
+          <a:prstGeom prst="rect">
+            <a:avLst/>
+          </a:prstGeom>
+        </p:spPr>
+      </p:pic>
+      <p:sp>
+        <p:nvSpPr>
+          <p:cNvPr id="3" name="Content Placeholder 2"/>
+          <p:cNvSpPr>
+            <a:spLocks noGrp="1"/>
+          </p:cNvSpPr>
+          <p:nvPr>
+            <p:ph idx="1"/>
+          </p:nvPr>
+        </p:nvSpPr>
+        <p:spPr>
+          <a:xfrm>
+            <a:off x="659295" y="795130"/>
+            <a:ext cx="3316357" cy="5575852"/>
+          </a:xfrm>
+        </p:spPr>
+        <p:txBody>
+          <a:bodyPr>
+            <a:normAutofit/>
+          </a:bodyPr>
+          <a:lstStyle/>
+          <a:p>
+            <a:r>
+              <a:rPr lang="pt-BR" sz="2400" dirty="0" smtClean="0"/>
+              <a:t>Jogo antigo de quebra de </a:t>
+            </a:r>
+            <a:r>
+              <a:rPr lang="pt-BR" sz="2400" dirty="0" smtClean="0"/>
+              <a:t>blocos de três fases</a:t>
+            </a:r>
+            <a:endParaRPr lang="pt-BR" sz="2400" dirty="0" smtClean="0"/>
+          </a:p>
+          <a:p>
+            <a:endParaRPr lang="pt-BR" sz="2400" dirty="0" smtClean="0"/>
+          </a:p>
+          <a:p>
+            <a:r>
+              <a:rPr lang="pt-BR" sz="2400" dirty="0" smtClean="0"/>
+              <a:t>Movimento usando as setas</a:t>
+            </a:r>
+          </a:p>
+          <a:p>
+            <a:endParaRPr lang="pt-BR" sz="2400" dirty="0" smtClean="0"/>
+          </a:p>
+          <a:p>
+            <a:r>
+              <a:rPr lang="pt-BR" sz="2400" dirty="0" smtClean="0"/>
+              <a:t>Cada bloco destruído tem 50% de chance de criar outra bola</a:t>
+            </a:r>
+          </a:p>
+          <a:p>
+            <a:endParaRPr lang="pt-BR" sz="2400" dirty="0"/>
+          </a:p>
+          <a:p>
+            <a:r>
+              <a:rPr lang="pt-BR" sz="2400" dirty="0" smtClean="0"/>
+              <a:t>Fim de jogo quando se perde todas as bolas</a:t>
+            </a:r>
+            <a:endParaRPr lang="pt-BR" sz="2400" dirty="0"/>
+          </a:p>
+        </p:txBody>
+      </p:sp>
+      <p:pic>
+        <p:nvPicPr>
+          <p:cNvPr id="4" name="Picture 3"/>
+          <p:cNvPicPr>
+            <a:picLocks noChangeAspect="1"/>
+          </p:cNvPicPr>
+          <p:nvPr/>
+        </p:nvPicPr>
+        <p:blipFill>
+          <a:blip r:embed="rId3"/>
+          <a:stretch>
+            <a:fillRect/>
+          </a:stretch>
+        </p:blipFill>
+        <p:spPr>
+          <a:xfrm>
+            <a:off x="4229662" y="0"/>
+            <a:ext cx="3989167" cy="3123870"/>
+          </a:xfrm>
+          <a:prstGeom prst="rect">
+            <a:avLst/>
+          </a:prstGeom>
+        </p:spPr>
+      </p:pic>
+      <p:pic>
+        <p:nvPicPr>
+          <p:cNvPr id="2" name="Picture 1"/>
+          <p:cNvPicPr>
+            <a:picLocks noChangeAspect="1"/>
+          </p:cNvPicPr>
+          <p:nvPr/>
+        </p:nvPicPr>
+        <p:blipFill>
+          <a:blip r:embed="rId4"/>
+          <a:stretch>
+            <a:fillRect/>
+          </a:stretch>
+        </p:blipFill>
+        <p:spPr>
+          <a:xfrm>
+            <a:off x="5285541" y="2142224"/>
+            <a:ext cx="5866576" cy="4586857"/>
           </a:xfrm>
           <a:prstGeom prst="rect">
             <a:avLst/>
